--- a/src/基于社区的问答系统.pptx
+++ b/src/基于社区的问答系统.pptx
@@ -639,7 +639,7 @@
           <a:p>
             <a:fld id="{9541D3A5-4F17-4731-9397-B4F3F91C667D}" type="datetimeFigureOut">
               <a:rPr lang="zh-CN" altLang="en-US" smtClean="0"/>
-              <a:t>2015/11/28</a:t>
+              <a:t>2015/12/16</a:t>
             </a:fld>
             <a:endParaRPr lang="zh-CN" altLang="en-US"/>
           </a:p>
@@ -935,7 +935,7 @@
           <a:p>
             <a:fld id="{9541D3A5-4F17-4731-9397-B4F3F91C667D}" type="datetimeFigureOut">
               <a:rPr lang="zh-CN" altLang="en-US" smtClean="0"/>
-              <a:t>2015/11/28</a:t>
+              <a:t>2015/12/16</a:t>
             </a:fld>
             <a:endParaRPr lang="zh-CN" altLang="en-US"/>
           </a:p>
@@ -1183,7 +1183,7 @@
           <a:p>
             <a:fld id="{9541D3A5-4F17-4731-9397-B4F3F91C667D}" type="datetimeFigureOut">
               <a:rPr lang="zh-CN" altLang="en-US" smtClean="0"/>
-              <a:t>2015/11/28</a:t>
+              <a:t>2015/12/16</a:t>
             </a:fld>
             <a:endParaRPr lang="zh-CN" altLang="en-US"/>
           </a:p>
@@ -1723,7 +1723,7 @@
           <a:p>
             <a:fld id="{9541D3A5-4F17-4731-9397-B4F3F91C667D}" type="datetimeFigureOut">
               <a:rPr lang="zh-CN" altLang="en-US" smtClean="0"/>
-              <a:t>2015/11/28</a:t>
+              <a:t>2015/12/16</a:t>
             </a:fld>
             <a:endParaRPr lang="zh-CN" altLang="en-US"/>
           </a:p>
@@ -1971,7 +1971,7 @@
           <a:p>
             <a:fld id="{9541D3A5-4F17-4731-9397-B4F3F91C667D}" type="datetimeFigureOut">
               <a:rPr lang="zh-CN" altLang="en-US" smtClean="0"/>
-              <a:t>2015/11/28</a:t>
+              <a:t>2015/12/16</a:t>
             </a:fld>
             <a:endParaRPr lang="zh-CN" altLang="en-US"/>
           </a:p>
@@ -2503,7 +2503,7 @@
           <a:p>
             <a:fld id="{9541D3A5-4F17-4731-9397-B4F3F91C667D}" type="datetimeFigureOut">
               <a:rPr lang="zh-CN" altLang="en-US" smtClean="0"/>
-              <a:t>2015/11/28</a:t>
+              <a:t>2015/12/16</a:t>
             </a:fld>
             <a:endParaRPr lang="zh-CN" altLang="en-US"/>
           </a:p>
@@ -2800,7 +2800,7 @@
           <a:p>
             <a:fld id="{9541D3A5-4F17-4731-9397-B4F3F91C667D}" type="datetimeFigureOut">
               <a:rPr lang="zh-CN" altLang="en-US" smtClean="0"/>
-              <a:t>2015/11/28</a:t>
+              <a:t>2015/12/16</a:t>
             </a:fld>
             <a:endParaRPr lang="zh-CN" altLang="en-US"/>
           </a:p>
@@ -2974,7 +2974,7 @@
           <a:p>
             <a:fld id="{9541D3A5-4F17-4731-9397-B4F3F91C667D}" type="datetimeFigureOut">
               <a:rPr lang="zh-CN" altLang="en-US" smtClean="0"/>
-              <a:t>2015/11/28</a:t>
+              <a:t>2015/12/16</a:t>
             </a:fld>
             <a:endParaRPr lang="zh-CN" altLang="en-US"/>
           </a:p>
@@ -3154,7 +3154,7 @@
           <a:p>
             <a:fld id="{9541D3A5-4F17-4731-9397-B4F3F91C667D}" type="datetimeFigureOut">
               <a:rPr lang="zh-CN" altLang="en-US" smtClean="0"/>
-              <a:t>2015/11/28</a:t>
+              <a:t>2015/12/16</a:t>
             </a:fld>
             <a:endParaRPr lang="zh-CN" altLang="en-US"/>
           </a:p>
@@ -3324,7 +3324,7 @@
           <a:p>
             <a:fld id="{9541D3A5-4F17-4731-9397-B4F3F91C667D}" type="datetimeFigureOut">
               <a:rPr lang="zh-CN" altLang="en-US" smtClean="0"/>
-              <a:t>2015/11/28</a:t>
+              <a:t>2015/12/16</a:t>
             </a:fld>
             <a:endParaRPr lang="zh-CN" altLang="en-US"/>
           </a:p>
@@ -3575,7 +3575,7 @@
           <a:p>
             <a:fld id="{9541D3A5-4F17-4731-9397-B4F3F91C667D}" type="datetimeFigureOut">
               <a:rPr lang="zh-CN" altLang="en-US" smtClean="0"/>
-              <a:t>2015/11/28</a:t>
+              <a:t>2015/12/16</a:t>
             </a:fld>
             <a:endParaRPr lang="zh-CN" altLang="en-US"/>
           </a:p>
@@ -3872,7 +3872,7 @@
           <a:p>
             <a:fld id="{9541D3A5-4F17-4731-9397-B4F3F91C667D}" type="datetimeFigureOut">
               <a:rPr lang="zh-CN" altLang="en-US" smtClean="0"/>
-              <a:t>2015/11/28</a:t>
+              <a:t>2015/12/16</a:t>
             </a:fld>
             <a:endParaRPr lang="zh-CN" altLang="en-US"/>
           </a:p>
@@ -4314,7 +4314,7 @@
           <a:p>
             <a:fld id="{9541D3A5-4F17-4731-9397-B4F3F91C667D}" type="datetimeFigureOut">
               <a:rPr lang="zh-CN" altLang="en-US" smtClean="0"/>
-              <a:t>2015/11/28</a:t>
+              <a:t>2015/12/16</a:t>
             </a:fld>
             <a:endParaRPr lang="zh-CN" altLang="en-US"/>
           </a:p>
@@ -4432,7 +4432,7 @@
           <a:p>
             <a:fld id="{9541D3A5-4F17-4731-9397-B4F3F91C667D}" type="datetimeFigureOut">
               <a:rPr lang="zh-CN" altLang="en-US" smtClean="0"/>
-              <a:t>2015/11/28</a:t>
+              <a:t>2015/12/16</a:t>
             </a:fld>
             <a:endParaRPr lang="zh-CN" altLang="en-US"/>
           </a:p>
@@ -4527,7 +4527,7 @@
           <a:p>
             <a:fld id="{9541D3A5-4F17-4731-9397-B4F3F91C667D}" type="datetimeFigureOut">
               <a:rPr lang="zh-CN" altLang="en-US" smtClean="0"/>
-              <a:t>2015/11/28</a:t>
+              <a:t>2015/12/16</a:t>
             </a:fld>
             <a:endParaRPr lang="zh-CN" altLang="en-US"/>
           </a:p>
@@ -4810,7 +4810,7 @@
           <a:p>
             <a:fld id="{9541D3A5-4F17-4731-9397-B4F3F91C667D}" type="datetimeFigureOut">
               <a:rPr lang="zh-CN" altLang="en-US" smtClean="0"/>
-              <a:t>2015/11/28</a:t>
+              <a:t>2015/12/16</a:t>
             </a:fld>
             <a:endParaRPr lang="zh-CN" altLang="en-US"/>
           </a:p>
@@ -5101,7 +5101,7 @@
           <a:p>
             <a:fld id="{9541D3A5-4F17-4731-9397-B4F3F91C667D}" type="datetimeFigureOut">
               <a:rPr lang="zh-CN" altLang="en-US" smtClean="0"/>
-              <a:t>2015/11/28</a:t>
+              <a:t>2015/12/16</a:t>
             </a:fld>
             <a:endParaRPr lang="zh-CN" altLang="en-US"/>
           </a:p>
@@ -5631,7 +5631,7 @@
           <a:p>
             <a:fld id="{9541D3A5-4F17-4731-9397-B4F3F91C667D}" type="datetimeFigureOut">
               <a:rPr lang="zh-CN" altLang="en-US" smtClean="0"/>
-              <a:t>2015/11/28</a:t>
+              <a:t>2015/12/16</a:t>
             </a:fld>
             <a:endParaRPr lang="zh-CN" altLang="en-US"/>
           </a:p>
@@ -6195,21 +6195,33 @@
             <p:ph type="subTitle" idx="1"/>
           </p:nvPr>
         </p:nvSpPr>
-        <p:spPr/>
+        <p:spPr>
+          <a:xfrm>
+            <a:off x="4515378" y="4132745"/>
+            <a:ext cx="6987645" cy="1388534"/>
+          </a:xfrm>
+        </p:spPr>
         <p:txBody>
           <a:bodyPr/>
           <a:lstStyle/>
           <a:p>
+            <a:pPr algn="l"/>
+            <a:r>
+              <a:rPr lang="zh-CN" altLang="en-US" dirty="0" smtClean="0"/>
+              <a:t>小组成员：</a:t>
+            </a:r>
+            <a:endParaRPr lang="en-US" altLang="zh-CN" dirty="0"/>
+          </a:p>
+          <a:p>
+            <a:pPr algn="l"/>
             <a:r>
               <a:rPr lang="zh-CN" altLang="en-US" dirty="0" smtClean="0"/>
               <a:t>学号：</a:t>
             </a:r>
             <a:r>
               <a:rPr lang="en-US" altLang="zh-CN" dirty="0" smtClean="0"/>
-              <a:t>1501220053</a:t>
-            </a:r>
-          </a:p>
-          <a:p>
+              <a:t>1501220053		</a:t>
+            </a:r>
             <a:r>
               <a:rPr lang="zh-CN" altLang="en-US" dirty="0" smtClean="0"/>
               <a:t>姓名：和军尧</a:t>
@@ -6228,6 +6240,13 @@
   <p:clrMapOvr>
     <a:masterClrMapping/>
   </p:clrMapOvr>
+  <p:timing>
+    <p:tnLst>
+      <p:par>
+        <p:cTn id="1" dur="indefinite" restart="never" nodeType="tmRoot"/>
+      </p:par>
+    </p:tnLst>
+  </p:timing>
 </p:sld>
 </file>
 
@@ -6443,6 +6462,13 @@
   <p:clrMapOvr>
     <a:masterClrMapping/>
   </p:clrMapOvr>
+  <p:timing>
+    <p:tnLst>
+      <p:par>
+        <p:cTn id="1" dur="indefinite" restart="never" nodeType="tmRoot"/>
+      </p:par>
+    </p:tnLst>
+  </p:timing>
 </p:sld>
 </file>
 
@@ -6604,6 +6630,13 @@
   <p:clrMapOvr>
     <a:masterClrMapping/>
   </p:clrMapOvr>
+  <p:timing>
+    <p:tnLst>
+      <p:par>
+        <p:cTn id="1" dur="indefinite" restart="never" nodeType="tmRoot"/>
+      </p:par>
+    </p:tnLst>
+  </p:timing>
 </p:sld>
 </file>
 
@@ -6735,6 +6768,13 @@
   <p:clrMapOvr>
     <a:masterClrMapping/>
   </p:clrMapOvr>
+  <p:timing>
+    <p:tnLst>
+      <p:par>
+        <p:cTn id="1" dur="indefinite" restart="never" nodeType="tmRoot"/>
+      </p:par>
+    </p:tnLst>
+  </p:timing>
 </p:sld>
 </file>
 
@@ -6845,6 +6885,13 @@
   <p:clrMapOvr>
     <a:masterClrMapping/>
   </p:clrMapOvr>
+  <p:timing>
+    <p:tnLst>
+      <p:par>
+        <p:cTn id="1" dur="indefinite" restart="never" nodeType="tmRoot"/>
+      </p:par>
+    </p:tnLst>
+  </p:timing>
 </p:sld>
 </file>
 
@@ -7000,6 +7047,13 @@
   <p:clrMapOvr>
     <a:masterClrMapping/>
   </p:clrMapOvr>
+  <p:timing>
+    <p:tnLst>
+      <p:par>
+        <p:cTn id="1" dur="indefinite" restart="never" nodeType="tmRoot"/>
+      </p:par>
+    </p:tnLst>
+  </p:timing>
 </p:sld>
 </file>
 
@@ -7114,6 +7168,13 @@
   <p:clrMapOvr>
     <a:masterClrMapping/>
   </p:clrMapOvr>
+  <p:timing>
+    <p:tnLst>
+      <p:par>
+        <p:cTn id="1" dur="indefinite" restart="never" nodeType="tmRoot"/>
+      </p:par>
+    </p:tnLst>
+  </p:timing>
 </p:sld>
 </file>
 
@@ -7315,6 +7376,13 @@
   <p:clrMapOvr>
     <a:masterClrMapping/>
   </p:clrMapOvr>
+  <p:timing>
+    <p:tnLst>
+      <p:par>
+        <p:cTn id="1" dur="indefinite" restart="never" nodeType="tmRoot"/>
+      </p:par>
+    </p:tnLst>
+  </p:timing>
 </p:sld>
 </file>
 
@@ -7522,6 +7590,13 @@
   <p:clrMapOvr>
     <a:masterClrMapping/>
   </p:clrMapOvr>
+  <p:timing>
+    <p:tnLst>
+      <p:par>
+        <p:cTn id="1" dur="indefinite" restart="never" nodeType="tmRoot"/>
+      </p:par>
+    </p:tnLst>
+  </p:timing>
 </p:sld>
 </file>
 
@@ -7654,6 +7729,13 @@
   <p:clrMapOvr>
     <a:masterClrMapping/>
   </p:clrMapOvr>
+  <p:timing>
+    <p:tnLst>
+      <p:par>
+        <p:cTn id="1" dur="indefinite" restart="never" nodeType="tmRoot"/>
+      </p:par>
+    </p:tnLst>
+  </p:timing>
 </p:sld>
 </file>
 
@@ -7843,6 +7925,13 @@
   <p:clrMapOvr>
     <a:masterClrMapping/>
   </p:clrMapOvr>
+  <p:timing>
+    <p:tnLst>
+      <p:par>
+        <p:cTn id="1" dur="indefinite" restart="never" nodeType="tmRoot"/>
+      </p:par>
+    </p:tnLst>
+  </p:timing>
 </p:sld>
 </file>
 
@@ -7961,6 +8050,13 @@
   <p:clrMapOvr>
     <a:masterClrMapping/>
   </p:clrMapOvr>
+  <p:timing>
+    <p:tnLst>
+      <p:par>
+        <p:cTn id="1" dur="indefinite" restart="never" nodeType="tmRoot"/>
+      </p:par>
+    </p:tnLst>
+  </p:timing>
 </p:sld>
 </file>
 
@@ -8132,6 +8228,13 @@
   <p:clrMapOvr>
     <a:masterClrMapping/>
   </p:clrMapOvr>
+  <p:timing>
+    <p:tnLst>
+      <p:par>
+        <p:cTn id="1" dur="indefinite" restart="never" nodeType="tmRoot"/>
+      </p:par>
+    </p:tnLst>
+  </p:timing>
 </p:sld>
 </file>
 
@@ -8369,6 +8472,13 @@
   <p:clrMapOvr>
     <a:masterClrMapping/>
   </p:clrMapOvr>
+  <p:timing>
+    <p:tnLst>
+      <p:par>
+        <p:cTn id="1" dur="indefinite" restart="never" nodeType="tmRoot"/>
+      </p:par>
+    </p:tnLst>
+  </p:timing>
 </p:sld>
 </file>
 
@@ -8566,6 +8676,13 @@
   <p:clrMapOvr>
     <a:masterClrMapping/>
   </p:clrMapOvr>
+  <p:timing>
+    <p:tnLst>
+      <p:par>
+        <p:cTn id="1" dur="indefinite" restart="never" nodeType="tmRoot"/>
+      </p:par>
+    </p:tnLst>
+  </p:timing>
 </p:sld>
 </file>
 
@@ -8684,6 +8801,13 @@
   <p:clrMapOvr>
     <a:masterClrMapping/>
   </p:clrMapOvr>
+  <p:timing>
+    <p:tnLst>
+      <p:par>
+        <p:cTn id="1" dur="indefinite" restart="never" nodeType="tmRoot"/>
+      </p:par>
+    </p:tnLst>
+  </p:timing>
 </p:sld>
 </file>
 
@@ -8857,6 +8981,13 @@
   <p:clrMapOvr>
     <a:masterClrMapping/>
   </p:clrMapOvr>
+  <p:timing>
+    <p:tnLst>
+      <p:par>
+        <p:cTn id="1" dur="indefinite" restart="never" nodeType="tmRoot"/>
+      </p:par>
+    </p:tnLst>
+  </p:timing>
 </p:sld>
 </file>
 
@@ -9046,11 +9177,7 @@
           <a:p>
             <a:r>
               <a:rPr lang="zh-CN" altLang="en-US" dirty="0" smtClean="0"/>
-              <a:t>未对段落句子进行情感归类，即总体判断句子是肯定的还是</a:t>
-            </a:r>
-            <a:r>
-              <a:rPr lang="zh-CN" altLang="en-US" smtClean="0"/>
-              <a:t>否定的。对结果给出一定的权重，然后，将其分析结果也加入到最终影响因子中去计算。</a:t>
+              <a:t>未对段落句子进行情感归类，即总体判断句子是肯定的还是否定的。对结果给出一定的权重，然后，将其分析结果也加入到最终影响因子中去计算。</a:t>
             </a:r>
             <a:endParaRPr lang="en-US" altLang="zh-CN" dirty="0" smtClean="0"/>
           </a:p>
@@ -9066,6 +9193,13 @@
   <p:clrMapOvr>
     <a:masterClrMapping/>
   </p:clrMapOvr>
+  <p:timing>
+    <p:tnLst>
+      <p:par>
+        <p:cTn id="1" dur="indefinite" restart="never" nodeType="tmRoot"/>
+      </p:par>
+    </p:tnLst>
+  </p:timing>
 </p:sld>
 </file>
 
@@ -9150,6 +9284,13 @@
   <p:clrMapOvr>
     <a:masterClrMapping/>
   </p:clrMapOvr>
+  <p:timing>
+    <p:tnLst>
+      <p:par>
+        <p:cTn id="1" dur="indefinite" restart="never" nodeType="tmRoot"/>
+      </p:par>
+    </p:tnLst>
+  </p:timing>
 </p:sld>
 </file>
 
@@ -9448,6 +9589,13 @@
   <p:clrMapOvr>
     <a:masterClrMapping/>
   </p:clrMapOvr>
+  <p:timing>
+    <p:tnLst>
+      <p:par>
+        <p:cTn id="1" dur="indefinite" restart="never" nodeType="tmRoot"/>
+      </p:par>
+    </p:tnLst>
+  </p:timing>
 </p:sld>
 </file>
 
@@ -9610,6 +9758,13 @@
   <p:clrMapOvr>
     <a:masterClrMapping/>
   </p:clrMapOvr>
+  <p:timing>
+    <p:tnLst>
+      <p:par>
+        <p:cTn id="1" dur="indefinite" restart="never" nodeType="tmRoot"/>
+      </p:par>
+    </p:tnLst>
+  </p:timing>
 </p:sld>
 </file>
 
@@ -9720,6 +9875,13 @@
   <p:clrMapOvr>
     <a:masterClrMapping/>
   </p:clrMapOvr>
+  <p:timing>
+    <p:tnLst>
+      <p:par>
+        <p:cTn id="1" dur="indefinite" restart="never" nodeType="tmRoot"/>
+      </p:par>
+    </p:tnLst>
+  </p:timing>
 </p:sld>
 </file>
 
@@ -9818,11 +9980,7 @@
             </a:r>
             <a:r>
               <a:rPr lang="zh-CN" altLang="en-US" dirty="0" smtClean="0"/>
-              <a:t>自动识别有用的</a:t>
-            </a:r>
-            <a:r>
-              <a:rPr lang="zh-CN" altLang="en-US" dirty="0" smtClean="0"/>
-              <a:t>答案</a:t>
+              <a:t>自动识别有用的答案</a:t>
             </a:r>
             <a:endParaRPr lang="en-US" altLang="zh-CN" dirty="0" smtClean="0"/>
           </a:p>
@@ -9942,6 +10100,13 @@
   <p:clrMapOvr>
     <a:masterClrMapping/>
   </p:clrMapOvr>
+  <p:timing>
+    <p:tnLst>
+      <p:par>
+        <p:cTn id="1" dur="indefinite" restart="never" nodeType="tmRoot"/>
+      </p:par>
+    </p:tnLst>
+  </p:timing>
 </p:sld>
 </file>
 
@@ -10270,6 +10435,13 @@
   <p:clrMapOvr>
     <a:masterClrMapping/>
   </p:clrMapOvr>
+  <p:timing>
+    <p:tnLst>
+      <p:par>
+        <p:cTn id="1" dur="indefinite" restart="never" nodeType="tmRoot"/>
+      </p:par>
+    </p:tnLst>
+  </p:timing>
 </p:sld>
 </file>
 
@@ -10445,6 +10617,13 @@
   <p:clrMapOvr>
     <a:masterClrMapping/>
   </p:clrMapOvr>
+  <p:timing>
+    <p:tnLst>
+      <p:par>
+        <p:cTn id="1" dur="indefinite" restart="never" nodeType="tmRoot"/>
+      </p:par>
+    </p:tnLst>
+  </p:timing>
 </p:sld>
 </file>
 
@@ -10555,6 +10734,13 @@
   <p:clrMapOvr>
     <a:masterClrMapping/>
   </p:clrMapOvr>
+  <p:timing>
+    <p:tnLst>
+      <p:par>
+        <p:cTn id="1" dur="indefinite" restart="never" nodeType="tmRoot"/>
+      </p:par>
+    </p:tnLst>
+  </p:timing>
 </p:sld>
 </file>
 
